--- a/壁置き方図.pptx
+++ b/壁置き方図.pptx
@@ -6,8 +6,9 @@
   </p:sldMasterIdLst>
   <p:sldIdLst>
     <p:sldId id="256" r:id="rId2"/>
-    <p:sldId id="257" r:id="rId3"/>
-    <p:sldId id="258" r:id="rId4"/>
+    <p:sldId id="259" r:id="rId3"/>
+    <p:sldId id="257" r:id="rId4"/>
+    <p:sldId id="258" r:id="rId5"/>
   </p:sldIdLst>
   <p:sldSz cx="12192000" cy="6858000"/>
   <p:notesSz cx="6858000" cy="9144000"/>
@@ -4387,6 +4388,861 @@
         <p:cNvPr id="1" name="">
           <a:extLst>
             <a:ext uri="{FF2B5EF4-FFF2-40B4-BE49-F238E27FC236}">
+              <a16:creationId xmlns:a16="http://schemas.microsoft.com/office/drawing/2014/main" id="{070922F3-E915-9306-002F-48ED0173028E}"/>
+            </a:ext>
+          </a:extLst>
+        </p:cNvPr>
+        <p:cNvGrpSpPr/>
+        <p:nvPr/>
+      </p:nvGrpSpPr>
+      <p:grpSpPr>
+        <a:xfrm>
+          <a:off x="0" y="0"/>
+          <a:ext cx="0" cy="0"/>
+          <a:chOff x="0" y="0"/>
+          <a:chExt cx="0" cy="0"/>
+        </a:xfrm>
+      </p:grpSpPr>
+      <p:pic>
+        <p:nvPicPr>
+          <p:cNvPr id="5" name="図 4" descr="ヒストグラム&#10;&#10;自動的に生成された説明">
+            <a:extLst>
+              <a:ext uri="{FF2B5EF4-FFF2-40B4-BE49-F238E27FC236}">
+                <a16:creationId xmlns:a16="http://schemas.microsoft.com/office/drawing/2014/main" id="{6D3D00F4-7D5C-23C9-3798-20FD1E7CD536}"/>
+              </a:ext>
+            </a:extLst>
+          </p:cNvPr>
+          <p:cNvPicPr>
+            <a:picLocks noChangeAspect="1"/>
+          </p:cNvPicPr>
+          <p:nvPr/>
+        </p:nvPicPr>
+        <p:blipFill>
+          <a:blip r:embed="rId2"/>
+          <a:stretch>
+            <a:fillRect/>
+          </a:stretch>
+        </p:blipFill>
+        <p:spPr>
+          <a:xfrm>
+            <a:off x="227998" y="217715"/>
+            <a:ext cx="11485273" cy="6502400"/>
+          </a:xfrm>
+          <a:prstGeom prst="rect">
+            <a:avLst/>
+          </a:prstGeom>
+        </p:spPr>
+      </p:pic>
+      <p:sp>
+        <p:nvSpPr>
+          <p:cNvPr id="6" name="テキスト ボックス 5">
+            <a:extLst>
+              <a:ext uri="{FF2B5EF4-FFF2-40B4-BE49-F238E27FC236}">
+                <a16:creationId xmlns:a16="http://schemas.microsoft.com/office/drawing/2014/main" id="{C377617F-F4AC-E321-114A-133620649B73}"/>
+              </a:ext>
+            </a:extLst>
+          </p:cNvPr>
+          <p:cNvSpPr txBox="1"/>
+          <p:nvPr/>
+        </p:nvSpPr>
+        <p:spPr>
+          <a:xfrm>
+            <a:off x="2137719" y="1902940"/>
+            <a:ext cx="852616" cy="276999"/>
+          </a:xfrm>
+          <a:prstGeom prst="rect">
+            <a:avLst/>
+          </a:prstGeom>
+          <a:noFill/>
+        </p:spPr>
+        <p:txBody>
+          <a:bodyPr wrap="square" rtlCol="0">
+            <a:spAutoFit/>
+          </a:bodyPr>
+          <a:lstStyle/>
+          <a:p>
+            <a:r>
+              <a:rPr lang="en-US" altLang="ja-JP" sz="1200" b="1" dirty="0"/>
+              <a:t>aw01</a:t>
+            </a:r>
+            <a:endParaRPr kumimoji="1" lang="en-US" altLang="ja-JP" sz="1200" b="1" dirty="0"/>
+          </a:p>
+        </p:txBody>
+      </p:sp>
+      <p:sp>
+        <p:nvSpPr>
+          <p:cNvPr id="7" name="テキスト ボックス 6">
+            <a:extLst>
+              <a:ext uri="{FF2B5EF4-FFF2-40B4-BE49-F238E27FC236}">
+                <a16:creationId xmlns:a16="http://schemas.microsoft.com/office/drawing/2014/main" id="{C455D44B-EDE1-B357-72D8-FEF0CB813658}"/>
+              </a:ext>
+            </a:extLst>
+          </p:cNvPr>
+          <p:cNvSpPr txBox="1"/>
+          <p:nvPr/>
+        </p:nvSpPr>
+        <p:spPr>
+          <a:xfrm>
+            <a:off x="3216875" y="1783491"/>
+            <a:ext cx="852616" cy="276999"/>
+          </a:xfrm>
+          <a:prstGeom prst="rect">
+            <a:avLst/>
+          </a:prstGeom>
+          <a:noFill/>
+        </p:spPr>
+        <p:txBody>
+          <a:bodyPr wrap="square" rtlCol="0">
+            <a:spAutoFit/>
+          </a:bodyPr>
+          <a:lstStyle/>
+          <a:p>
+            <a:r>
+              <a:rPr lang="en-US" altLang="ja-JP" sz="1200" b="1" dirty="0"/>
+              <a:t>aw02</a:t>
+            </a:r>
+            <a:endParaRPr kumimoji="1" lang="en-US" altLang="ja-JP" sz="1200" b="1" dirty="0"/>
+          </a:p>
+        </p:txBody>
+      </p:sp>
+      <p:sp>
+        <p:nvSpPr>
+          <p:cNvPr id="8" name="テキスト ボックス 7">
+            <a:extLst>
+              <a:ext uri="{FF2B5EF4-FFF2-40B4-BE49-F238E27FC236}">
+                <a16:creationId xmlns:a16="http://schemas.microsoft.com/office/drawing/2014/main" id="{F7BABCD6-ACDA-18CE-CB87-072029DA59E8}"/>
+              </a:ext>
+            </a:extLst>
+          </p:cNvPr>
+          <p:cNvSpPr txBox="1"/>
+          <p:nvPr/>
+        </p:nvSpPr>
+        <p:spPr>
+          <a:xfrm>
+            <a:off x="4328984" y="1771134"/>
+            <a:ext cx="852616" cy="276999"/>
+          </a:xfrm>
+          <a:prstGeom prst="rect">
+            <a:avLst/>
+          </a:prstGeom>
+          <a:noFill/>
+        </p:spPr>
+        <p:txBody>
+          <a:bodyPr wrap="square" rtlCol="0">
+            <a:spAutoFit/>
+          </a:bodyPr>
+          <a:lstStyle/>
+          <a:p>
+            <a:r>
+              <a:rPr lang="en-US" altLang="ja-JP" sz="1200" b="1" dirty="0"/>
+              <a:t>aw03</a:t>
+            </a:r>
+            <a:endParaRPr kumimoji="1" lang="en-US" altLang="ja-JP" sz="1200" b="1" dirty="0"/>
+          </a:p>
+        </p:txBody>
+      </p:sp>
+      <p:sp>
+        <p:nvSpPr>
+          <p:cNvPr id="9" name="テキスト ボックス 8">
+            <a:extLst>
+              <a:ext uri="{FF2B5EF4-FFF2-40B4-BE49-F238E27FC236}">
+                <a16:creationId xmlns:a16="http://schemas.microsoft.com/office/drawing/2014/main" id="{00B10E53-AE83-F6BB-1B3C-0918D197E21E}"/>
+              </a:ext>
+            </a:extLst>
+          </p:cNvPr>
+          <p:cNvSpPr txBox="1"/>
+          <p:nvPr/>
+        </p:nvSpPr>
+        <p:spPr>
+          <a:xfrm>
+            <a:off x="5231027" y="2166551"/>
+            <a:ext cx="852616" cy="276999"/>
+          </a:xfrm>
+          <a:prstGeom prst="rect">
+            <a:avLst/>
+          </a:prstGeom>
+          <a:noFill/>
+        </p:spPr>
+        <p:txBody>
+          <a:bodyPr wrap="square" rtlCol="0">
+            <a:spAutoFit/>
+          </a:bodyPr>
+          <a:lstStyle/>
+          <a:p>
+            <a:r>
+              <a:rPr lang="en-US" altLang="ja-JP" sz="1200" b="1" dirty="0"/>
+              <a:t>aw04</a:t>
+            </a:r>
+            <a:endParaRPr kumimoji="1" lang="en-US" altLang="ja-JP" sz="1200" b="1" dirty="0"/>
+          </a:p>
+        </p:txBody>
+      </p:sp>
+      <p:sp>
+        <p:nvSpPr>
+          <p:cNvPr id="10" name="テキスト ボックス 9">
+            <a:extLst>
+              <a:ext uri="{FF2B5EF4-FFF2-40B4-BE49-F238E27FC236}">
+                <a16:creationId xmlns:a16="http://schemas.microsoft.com/office/drawing/2014/main" id="{0A0A068A-E708-48FF-2D3F-18307D1E4618}"/>
+              </a:ext>
+            </a:extLst>
+          </p:cNvPr>
+          <p:cNvSpPr txBox="1"/>
+          <p:nvPr/>
+        </p:nvSpPr>
+        <p:spPr>
+          <a:xfrm>
+            <a:off x="6133071" y="2141837"/>
+            <a:ext cx="852616" cy="276999"/>
+          </a:xfrm>
+          <a:prstGeom prst="rect">
+            <a:avLst/>
+          </a:prstGeom>
+          <a:noFill/>
+        </p:spPr>
+        <p:txBody>
+          <a:bodyPr wrap="square" rtlCol="0">
+            <a:spAutoFit/>
+          </a:bodyPr>
+          <a:lstStyle/>
+          <a:p>
+            <a:r>
+              <a:rPr lang="en-US" altLang="ja-JP" sz="1200" b="1" dirty="0"/>
+              <a:t>aw05</a:t>
+            </a:r>
+            <a:endParaRPr kumimoji="1" lang="en-US" altLang="ja-JP" sz="1200" b="1" dirty="0"/>
+          </a:p>
+        </p:txBody>
+      </p:sp>
+      <p:sp>
+        <p:nvSpPr>
+          <p:cNvPr id="11" name="テキスト ボックス 10">
+            <a:extLst>
+              <a:ext uri="{FF2B5EF4-FFF2-40B4-BE49-F238E27FC236}">
+                <a16:creationId xmlns:a16="http://schemas.microsoft.com/office/drawing/2014/main" id="{38BCB704-D505-8AFB-92AC-AEC3A24CD187}"/>
+              </a:ext>
+            </a:extLst>
+          </p:cNvPr>
+          <p:cNvSpPr txBox="1"/>
+          <p:nvPr/>
+        </p:nvSpPr>
+        <p:spPr>
+          <a:xfrm>
+            <a:off x="8307859" y="1511643"/>
+            <a:ext cx="852616" cy="276999"/>
+          </a:xfrm>
+          <a:prstGeom prst="rect">
+            <a:avLst/>
+          </a:prstGeom>
+          <a:noFill/>
+        </p:spPr>
+        <p:txBody>
+          <a:bodyPr wrap="square" rtlCol="0">
+            <a:spAutoFit/>
+          </a:bodyPr>
+          <a:lstStyle/>
+          <a:p>
+            <a:r>
+              <a:rPr lang="en-US" altLang="ja-JP" sz="1200" b="1" dirty="0"/>
+              <a:t>aw06</a:t>
+            </a:r>
+            <a:endParaRPr kumimoji="1" lang="en-US" altLang="ja-JP" sz="1200" b="1" dirty="0"/>
+          </a:p>
+        </p:txBody>
+      </p:sp>
+      <p:sp>
+        <p:nvSpPr>
+          <p:cNvPr id="12" name="テキスト ボックス 11">
+            <a:extLst>
+              <a:ext uri="{FF2B5EF4-FFF2-40B4-BE49-F238E27FC236}">
+                <a16:creationId xmlns:a16="http://schemas.microsoft.com/office/drawing/2014/main" id="{31619F10-C10B-50E6-6B5F-F0CFDB1BDE7E}"/>
+              </a:ext>
+            </a:extLst>
+          </p:cNvPr>
+          <p:cNvSpPr txBox="1"/>
+          <p:nvPr/>
+        </p:nvSpPr>
+        <p:spPr>
+          <a:xfrm>
+            <a:off x="8332573" y="2018270"/>
+            <a:ext cx="852616" cy="276999"/>
+          </a:xfrm>
+          <a:prstGeom prst="rect">
+            <a:avLst/>
+          </a:prstGeom>
+          <a:noFill/>
+        </p:spPr>
+        <p:txBody>
+          <a:bodyPr wrap="square" rtlCol="0">
+            <a:spAutoFit/>
+          </a:bodyPr>
+          <a:lstStyle/>
+          <a:p>
+            <a:r>
+              <a:rPr lang="en-US" altLang="ja-JP" sz="1200" b="1" dirty="0"/>
+              <a:t>aw07</a:t>
+            </a:r>
+            <a:endParaRPr kumimoji="1" lang="en-US" altLang="ja-JP" sz="1200" b="1" dirty="0"/>
+          </a:p>
+        </p:txBody>
+      </p:sp>
+      <p:sp>
+        <p:nvSpPr>
+          <p:cNvPr id="13" name="テキスト ボックス 12">
+            <a:extLst>
+              <a:ext uri="{FF2B5EF4-FFF2-40B4-BE49-F238E27FC236}">
+                <a16:creationId xmlns:a16="http://schemas.microsoft.com/office/drawing/2014/main" id="{E129702F-04F2-E79E-4805-BE1F807F4683}"/>
+              </a:ext>
+            </a:extLst>
+          </p:cNvPr>
+          <p:cNvSpPr txBox="1"/>
+          <p:nvPr/>
+        </p:nvSpPr>
+        <p:spPr>
+          <a:xfrm>
+            <a:off x="8307860" y="2623751"/>
+            <a:ext cx="852616" cy="276999"/>
+          </a:xfrm>
+          <a:prstGeom prst="rect">
+            <a:avLst/>
+          </a:prstGeom>
+          <a:noFill/>
+        </p:spPr>
+        <p:txBody>
+          <a:bodyPr wrap="square" rtlCol="0">
+            <a:spAutoFit/>
+          </a:bodyPr>
+          <a:lstStyle/>
+          <a:p>
+            <a:r>
+              <a:rPr lang="en-US" altLang="ja-JP" sz="1200" b="1" dirty="0"/>
+              <a:t>aw08</a:t>
+            </a:r>
+            <a:endParaRPr kumimoji="1" lang="en-US" altLang="ja-JP" sz="1200" b="1" dirty="0"/>
+          </a:p>
+        </p:txBody>
+      </p:sp>
+      <p:sp>
+        <p:nvSpPr>
+          <p:cNvPr id="14" name="テキスト ボックス 13">
+            <a:extLst>
+              <a:ext uri="{FF2B5EF4-FFF2-40B4-BE49-F238E27FC236}">
+                <a16:creationId xmlns:a16="http://schemas.microsoft.com/office/drawing/2014/main" id="{699C4721-BD26-51F6-9313-D4B02C93B9E9}"/>
+              </a:ext>
+            </a:extLst>
+          </p:cNvPr>
+          <p:cNvSpPr txBox="1"/>
+          <p:nvPr/>
+        </p:nvSpPr>
+        <p:spPr>
+          <a:xfrm>
+            <a:off x="8332573" y="3179805"/>
+            <a:ext cx="852616" cy="276999"/>
+          </a:xfrm>
+          <a:prstGeom prst="rect">
+            <a:avLst/>
+          </a:prstGeom>
+          <a:noFill/>
+        </p:spPr>
+        <p:txBody>
+          <a:bodyPr wrap="square" rtlCol="0">
+            <a:spAutoFit/>
+          </a:bodyPr>
+          <a:lstStyle/>
+          <a:p>
+            <a:r>
+              <a:rPr lang="en-US" altLang="ja-JP" sz="1200" b="1" dirty="0"/>
+              <a:t>aw09</a:t>
+            </a:r>
+            <a:endParaRPr kumimoji="1" lang="en-US" altLang="ja-JP" sz="1200" b="1" dirty="0"/>
+          </a:p>
+        </p:txBody>
+      </p:sp>
+      <p:sp>
+        <p:nvSpPr>
+          <p:cNvPr id="15" name="テキスト ボックス 14">
+            <a:extLst>
+              <a:ext uri="{FF2B5EF4-FFF2-40B4-BE49-F238E27FC236}">
+                <a16:creationId xmlns:a16="http://schemas.microsoft.com/office/drawing/2014/main" id="{73339851-6CF4-A039-0ECA-2AF448677979}"/>
+              </a:ext>
+            </a:extLst>
+          </p:cNvPr>
+          <p:cNvSpPr txBox="1"/>
+          <p:nvPr/>
+        </p:nvSpPr>
+        <p:spPr>
+          <a:xfrm>
+            <a:off x="8987481" y="3179805"/>
+            <a:ext cx="852616" cy="276999"/>
+          </a:xfrm>
+          <a:prstGeom prst="rect">
+            <a:avLst/>
+          </a:prstGeom>
+          <a:noFill/>
+        </p:spPr>
+        <p:txBody>
+          <a:bodyPr wrap="square" rtlCol="0">
+            <a:spAutoFit/>
+          </a:bodyPr>
+          <a:lstStyle/>
+          <a:p>
+            <a:r>
+              <a:rPr lang="en-US" altLang="ja-JP" sz="1200" b="1" dirty="0"/>
+              <a:t>aw10</a:t>
+            </a:r>
+            <a:endParaRPr kumimoji="1" lang="en-US" altLang="ja-JP" sz="1200" b="1" dirty="0"/>
+          </a:p>
+        </p:txBody>
+      </p:sp>
+      <p:sp>
+        <p:nvSpPr>
+          <p:cNvPr id="16" name="テキスト ボックス 15">
+            <a:extLst>
+              <a:ext uri="{FF2B5EF4-FFF2-40B4-BE49-F238E27FC236}">
+                <a16:creationId xmlns:a16="http://schemas.microsoft.com/office/drawing/2014/main" id="{4ED200B5-D97E-8E44-1B8B-4EE362FB5E2C}"/>
+              </a:ext>
+            </a:extLst>
+          </p:cNvPr>
+          <p:cNvSpPr txBox="1"/>
+          <p:nvPr/>
+        </p:nvSpPr>
+        <p:spPr>
+          <a:xfrm>
+            <a:off x="8966886" y="2837935"/>
+            <a:ext cx="852616" cy="276999"/>
+          </a:xfrm>
+          <a:prstGeom prst="rect">
+            <a:avLst/>
+          </a:prstGeom>
+          <a:noFill/>
+        </p:spPr>
+        <p:txBody>
+          <a:bodyPr wrap="square" rtlCol="0">
+            <a:spAutoFit/>
+          </a:bodyPr>
+          <a:lstStyle/>
+          <a:p>
+            <a:r>
+              <a:rPr lang="en-US" altLang="ja-JP" sz="1200" b="1" dirty="0"/>
+              <a:t>aw11</a:t>
+            </a:r>
+            <a:endParaRPr kumimoji="1" lang="en-US" altLang="ja-JP" sz="1200" b="1" dirty="0"/>
+          </a:p>
+        </p:txBody>
+      </p:sp>
+      <p:sp>
+        <p:nvSpPr>
+          <p:cNvPr id="17" name="テキスト ボックス 16">
+            <a:extLst>
+              <a:ext uri="{FF2B5EF4-FFF2-40B4-BE49-F238E27FC236}">
+                <a16:creationId xmlns:a16="http://schemas.microsoft.com/office/drawing/2014/main" id="{285D7D1C-176C-46AC-2042-C681224852C3}"/>
+              </a:ext>
+            </a:extLst>
+          </p:cNvPr>
+          <p:cNvSpPr txBox="1"/>
+          <p:nvPr/>
+        </p:nvSpPr>
+        <p:spPr>
+          <a:xfrm>
+            <a:off x="8991600" y="2504302"/>
+            <a:ext cx="852616" cy="276999"/>
+          </a:xfrm>
+          <a:prstGeom prst="rect">
+            <a:avLst/>
+          </a:prstGeom>
+          <a:noFill/>
+        </p:spPr>
+        <p:txBody>
+          <a:bodyPr wrap="square" rtlCol="0">
+            <a:spAutoFit/>
+          </a:bodyPr>
+          <a:lstStyle/>
+          <a:p>
+            <a:r>
+              <a:rPr lang="en-US" altLang="ja-JP" sz="1200" b="1" dirty="0"/>
+              <a:t>aw12</a:t>
+            </a:r>
+            <a:endParaRPr kumimoji="1" lang="en-US" altLang="ja-JP" sz="1200" b="1" dirty="0"/>
+          </a:p>
+        </p:txBody>
+      </p:sp>
+      <p:sp>
+        <p:nvSpPr>
+          <p:cNvPr id="18" name="テキスト ボックス 17">
+            <a:extLst>
+              <a:ext uri="{FF2B5EF4-FFF2-40B4-BE49-F238E27FC236}">
+                <a16:creationId xmlns:a16="http://schemas.microsoft.com/office/drawing/2014/main" id="{F4823995-7409-7AE7-0F8B-15A2443C317C}"/>
+              </a:ext>
+            </a:extLst>
+          </p:cNvPr>
+          <p:cNvSpPr txBox="1"/>
+          <p:nvPr/>
+        </p:nvSpPr>
+        <p:spPr>
+          <a:xfrm>
+            <a:off x="9634151" y="2627870"/>
+            <a:ext cx="852616" cy="276999"/>
+          </a:xfrm>
+          <a:prstGeom prst="rect">
+            <a:avLst/>
+          </a:prstGeom>
+          <a:noFill/>
+        </p:spPr>
+        <p:txBody>
+          <a:bodyPr wrap="square" rtlCol="0">
+            <a:spAutoFit/>
+          </a:bodyPr>
+          <a:lstStyle/>
+          <a:p>
+            <a:r>
+              <a:rPr lang="en-US" altLang="ja-JP" sz="1200" b="1" dirty="0"/>
+              <a:t>aw13</a:t>
+            </a:r>
+            <a:endParaRPr kumimoji="1" lang="en-US" altLang="ja-JP" sz="1200" b="1" dirty="0"/>
+          </a:p>
+        </p:txBody>
+      </p:sp>
+      <p:sp>
+        <p:nvSpPr>
+          <p:cNvPr id="19" name="テキスト ボックス 18">
+            <a:extLst>
+              <a:ext uri="{FF2B5EF4-FFF2-40B4-BE49-F238E27FC236}">
+                <a16:creationId xmlns:a16="http://schemas.microsoft.com/office/drawing/2014/main" id="{C22744B6-4649-6C4F-FDA3-D825D5D875A2}"/>
+              </a:ext>
+            </a:extLst>
+          </p:cNvPr>
+          <p:cNvSpPr txBox="1"/>
+          <p:nvPr/>
+        </p:nvSpPr>
+        <p:spPr>
+          <a:xfrm>
+            <a:off x="9609438" y="3023286"/>
+            <a:ext cx="852616" cy="276999"/>
+          </a:xfrm>
+          <a:prstGeom prst="rect">
+            <a:avLst/>
+          </a:prstGeom>
+          <a:noFill/>
+        </p:spPr>
+        <p:txBody>
+          <a:bodyPr wrap="square" rtlCol="0">
+            <a:spAutoFit/>
+          </a:bodyPr>
+          <a:lstStyle/>
+          <a:p>
+            <a:r>
+              <a:rPr lang="en-US" altLang="ja-JP" sz="1200" b="1" dirty="0"/>
+              <a:t>aw14</a:t>
+            </a:r>
+            <a:endParaRPr kumimoji="1" lang="en-US" altLang="ja-JP" sz="1200" b="1" dirty="0"/>
+          </a:p>
+        </p:txBody>
+      </p:sp>
+      <p:sp>
+        <p:nvSpPr>
+          <p:cNvPr id="20" name="テキスト ボックス 19">
+            <a:extLst>
+              <a:ext uri="{FF2B5EF4-FFF2-40B4-BE49-F238E27FC236}">
+                <a16:creationId xmlns:a16="http://schemas.microsoft.com/office/drawing/2014/main" id="{C3779AEA-D284-5DED-1D9E-ADA3B40097CE}"/>
+              </a:ext>
+            </a:extLst>
+          </p:cNvPr>
+          <p:cNvSpPr txBox="1"/>
+          <p:nvPr/>
+        </p:nvSpPr>
+        <p:spPr>
+          <a:xfrm>
+            <a:off x="9646508" y="3381632"/>
+            <a:ext cx="852616" cy="276999"/>
+          </a:xfrm>
+          <a:prstGeom prst="rect">
+            <a:avLst/>
+          </a:prstGeom>
+          <a:noFill/>
+        </p:spPr>
+        <p:txBody>
+          <a:bodyPr wrap="square" rtlCol="0">
+            <a:spAutoFit/>
+          </a:bodyPr>
+          <a:lstStyle/>
+          <a:p>
+            <a:r>
+              <a:rPr lang="en-US" altLang="ja-JP" sz="1200" b="1" dirty="0"/>
+              <a:t>aw15</a:t>
+            </a:r>
+            <a:endParaRPr kumimoji="1" lang="en-US" altLang="ja-JP" sz="1200" b="1" dirty="0"/>
+          </a:p>
+        </p:txBody>
+      </p:sp>
+      <p:sp>
+        <p:nvSpPr>
+          <p:cNvPr id="21" name="テキスト ボックス 20">
+            <a:extLst>
+              <a:ext uri="{FF2B5EF4-FFF2-40B4-BE49-F238E27FC236}">
+                <a16:creationId xmlns:a16="http://schemas.microsoft.com/office/drawing/2014/main" id="{B4951161-AE06-AC2D-3AB1-86760D56BB41}"/>
+              </a:ext>
+            </a:extLst>
+          </p:cNvPr>
+          <p:cNvSpPr txBox="1"/>
+          <p:nvPr/>
+        </p:nvSpPr>
+        <p:spPr>
+          <a:xfrm>
+            <a:off x="9621794" y="3789405"/>
+            <a:ext cx="852616" cy="276999"/>
+          </a:xfrm>
+          <a:prstGeom prst="rect">
+            <a:avLst/>
+          </a:prstGeom>
+          <a:noFill/>
+        </p:spPr>
+        <p:txBody>
+          <a:bodyPr wrap="square" rtlCol="0">
+            <a:spAutoFit/>
+          </a:bodyPr>
+          <a:lstStyle/>
+          <a:p>
+            <a:r>
+              <a:rPr lang="en-US" altLang="ja-JP" sz="1200" b="1" dirty="0"/>
+              <a:t>aw16</a:t>
+            </a:r>
+            <a:endParaRPr kumimoji="1" lang="en-US" altLang="ja-JP" sz="1200" b="1" dirty="0"/>
+          </a:p>
+        </p:txBody>
+      </p:sp>
+      <p:sp>
+        <p:nvSpPr>
+          <p:cNvPr id="22" name="テキスト ボックス 21">
+            <a:extLst>
+              <a:ext uri="{FF2B5EF4-FFF2-40B4-BE49-F238E27FC236}">
+                <a16:creationId xmlns:a16="http://schemas.microsoft.com/office/drawing/2014/main" id="{6A45C1D1-2D39-F2BC-0C25-7D7A1D2865ED}"/>
+              </a:ext>
+            </a:extLst>
+          </p:cNvPr>
+          <p:cNvSpPr txBox="1"/>
+          <p:nvPr/>
+        </p:nvSpPr>
+        <p:spPr>
+          <a:xfrm>
+            <a:off x="10276703" y="3777048"/>
+            <a:ext cx="852616" cy="276999"/>
+          </a:xfrm>
+          <a:prstGeom prst="rect">
+            <a:avLst/>
+          </a:prstGeom>
+          <a:noFill/>
+        </p:spPr>
+        <p:txBody>
+          <a:bodyPr wrap="square" rtlCol="0">
+            <a:spAutoFit/>
+          </a:bodyPr>
+          <a:lstStyle/>
+          <a:p>
+            <a:r>
+              <a:rPr lang="en-US" altLang="ja-JP" sz="1200" b="1" dirty="0"/>
+              <a:t>aw17</a:t>
+            </a:r>
+            <a:endParaRPr kumimoji="1" lang="en-US" altLang="ja-JP" sz="1200" b="1" dirty="0"/>
+          </a:p>
+        </p:txBody>
+      </p:sp>
+      <p:sp>
+        <p:nvSpPr>
+          <p:cNvPr id="23" name="テキスト ボックス 22">
+            <a:extLst>
+              <a:ext uri="{FF2B5EF4-FFF2-40B4-BE49-F238E27FC236}">
+                <a16:creationId xmlns:a16="http://schemas.microsoft.com/office/drawing/2014/main" id="{122DF11E-EED8-3072-7A45-64BDA99310D0}"/>
+              </a:ext>
+            </a:extLst>
+          </p:cNvPr>
+          <p:cNvSpPr txBox="1"/>
+          <p:nvPr/>
+        </p:nvSpPr>
+        <p:spPr>
+          <a:xfrm>
+            <a:off x="10313773" y="3369275"/>
+            <a:ext cx="852616" cy="276999"/>
+          </a:xfrm>
+          <a:prstGeom prst="rect">
+            <a:avLst/>
+          </a:prstGeom>
+          <a:noFill/>
+        </p:spPr>
+        <p:txBody>
+          <a:bodyPr wrap="square" rtlCol="0">
+            <a:spAutoFit/>
+          </a:bodyPr>
+          <a:lstStyle/>
+          <a:p>
+            <a:r>
+              <a:rPr lang="en-US" altLang="ja-JP" sz="1200" b="1" dirty="0"/>
+              <a:t>aw18</a:t>
+            </a:r>
+            <a:endParaRPr kumimoji="1" lang="en-US" altLang="ja-JP" sz="1200" b="1" dirty="0"/>
+          </a:p>
+        </p:txBody>
+      </p:sp>
+      <p:sp>
+        <p:nvSpPr>
+          <p:cNvPr id="24" name="テキスト ボックス 23">
+            <a:extLst>
+              <a:ext uri="{FF2B5EF4-FFF2-40B4-BE49-F238E27FC236}">
+                <a16:creationId xmlns:a16="http://schemas.microsoft.com/office/drawing/2014/main" id="{88DDF62E-ADC6-A7A2-222A-4423A8A31174}"/>
+              </a:ext>
+            </a:extLst>
+          </p:cNvPr>
+          <p:cNvSpPr txBox="1"/>
+          <p:nvPr/>
+        </p:nvSpPr>
+        <p:spPr>
+          <a:xfrm>
+            <a:off x="10289060" y="3010930"/>
+            <a:ext cx="852616" cy="276999"/>
+          </a:xfrm>
+          <a:prstGeom prst="rect">
+            <a:avLst/>
+          </a:prstGeom>
+          <a:noFill/>
+        </p:spPr>
+        <p:txBody>
+          <a:bodyPr wrap="square" rtlCol="0">
+            <a:spAutoFit/>
+          </a:bodyPr>
+          <a:lstStyle/>
+          <a:p>
+            <a:r>
+              <a:rPr lang="en-US" altLang="ja-JP" sz="1200" b="1" dirty="0"/>
+              <a:t>aw19</a:t>
+            </a:r>
+            <a:endParaRPr kumimoji="1" lang="en-US" altLang="ja-JP" sz="1200" b="1" dirty="0"/>
+          </a:p>
+        </p:txBody>
+      </p:sp>
+      <p:sp>
+        <p:nvSpPr>
+          <p:cNvPr id="25" name="テキスト ボックス 24">
+            <a:extLst>
+              <a:ext uri="{FF2B5EF4-FFF2-40B4-BE49-F238E27FC236}">
+                <a16:creationId xmlns:a16="http://schemas.microsoft.com/office/drawing/2014/main" id="{51424671-050C-3C12-E6B4-99903281A144}"/>
+              </a:ext>
+            </a:extLst>
+          </p:cNvPr>
+          <p:cNvSpPr txBox="1"/>
+          <p:nvPr/>
+        </p:nvSpPr>
+        <p:spPr>
+          <a:xfrm>
+            <a:off x="10289059" y="2652583"/>
+            <a:ext cx="852616" cy="276999"/>
+          </a:xfrm>
+          <a:prstGeom prst="rect">
+            <a:avLst/>
+          </a:prstGeom>
+          <a:noFill/>
+        </p:spPr>
+        <p:txBody>
+          <a:bodyPr wrap="square" rtlCol="0">
+            <a:spAutoFit/>
+          </a:bodyPr>
+          <a:lstStyle/>
+          <a:p>
+            <a:r>
+              <a:rPr lang="en-US" altLang="ja-JP" sz="1200" b="1" dirty="0"/>
+              <a:t>aw20</a:t>
+            </a:r>
+            <a:endParaRPr kumimoji="1" lang="en-US" altLang="ja-JP" sz="1200" b="1" dirty="0"/>
+          </a:p>
+        </p:txBody>
+      </p:sp>
+      <p:sp>
+        <p:nvSpPr>
+          <p:cNvPr id="2" name="ドーナツ 1">
+            <a:extLst>
+              <a:ext uri="{FF2B5EF4-FFF2-40B4-BE49-F238E27FC236}">
+                <a16:creationId xmlns:a16="http://schemas.microsoft.com/office/drawing/2014/main" id="{56EB119C-02C9-767F-B023-1C056E59A916}"/>
+              </a:ext>
+            </a:extLst>
+          </p:cNvPr>
+          <p:cNvSpPr/>
+          <p:nvPr/>
+        </p:nvSpPr>
+        <p:spPr>
+          <a:xfrm>
+            <a:off x="8340812" y="2903839"/>
+            <a:ext cx="457200" cy="345987"/>
+          </a:xfrm>
+          <a:prstGeom prst="donut">
+            <a:avLst>
+              <a:gd name="adj" fmla="val 18924"/>
+            </a:avLst>
+          </a:prstGeom>
+          <a:solidFill>
+            <a:schemeClr val="accent2"/>
+          </a:solidFill>
+          <a:ln>
+            <a:solidFill>
+              <a:schemeClr val="bg1"/>
+            </a:solidFill>
+          </a:ln>
+        </p:spPr>
+        <p:style>
+          <a:lnRef idx="2">
+            <a:schemeClr val="accent1">
+              <a:shade val="15000"/>
+            </a:schemeClr>
+          </a:lnRef>
+          <a:fillRef idx="1">
+            <a:schemeClr val="accent1"/>
+          </a:fillRef>
+          <a:effectRef idx="0">
+            <a:schemeClr val="accent1"/>
+          </a:effectRef>
+          <a:fontRef idx="minor">
+            <a:schemeClr val="lt1"/>
+          </a:fontRef>
+        </p:style>
+        <p:txBody>
+          <a:bodyPr rtlCol="0" anchor="ctr"/>
+          <a:lstStyle/>
+          <a:p>
+            <a:pPr algn="ctr"/>
+            <a:endParaRPr kumimoji="1" lang="ja-JP" altLang="en-US" b="1">
+              <a:ln w="22225">
+                <a:solidFill>
+                  <a:schemeClr val="accent2"/>
+                </a:solidFill>
+                <a:prstDash val="solid"/>
+              </a:ln>
+              <a:solidFill>
+                <a:schemeClr val="accent2">
+                  <a:lumMod val="40000"/>
+                  <a:lumOff val="60000"/>
+                </a:schemeClr>
+              </a:solidFill>
+            </a:endParaRPr>
+          </a:p>
+        </p:txBody>
+      </p:sp>
+    </p:spTree>
+    <p:extLst>
+      <p:ext uri="{BB962C8B-B14F-4D97-AF65-F5344CB8AC3E}">
+        <p14:creationId xmlns:p14="http://schemas.microsoft.com/office/powerpoint/2010/main" val="2729752544"/>
+      </p:ext>
+    </p:extLst>
+  </p:cSld>
+  <p:clrMapOvr>
+    <a:masterClrMapping/>
+  </p:clrMapOvr>
+</p:sld>
+</file>
+
+<file path=ppt/slides/slide3.xml><?xml version="1.0" encoding="utf-8"?>
+<p:sld xmlns:a="http://schemas.openxmlformats.org/drawingml/2006/main" xmlns:r="http://schemas.openxmlformats.org/officeDocument/2006/relationships" xmlns:p="http://schemas.openxmlformats.org/presentationml/2006/main">
+  <p:cSld>
+    <p:spTree>
+      <p:nvGrpSpPr>
+        <p:cNvPr id="1" name="">
+          <a:extLst>
+            <a:ext uri="{FF2B5EF4-FFF2-40B4-BE49-F238E27FC236}">
               <a16:creationId xmlns:a16="http://schemas.microsoft.com/office/drawing/2014/main" id="{8FEAF147-E35A-7EBF-A9EA-27799413206B}"/>
             </a:ext>
           </a:extLst>
@@ -5165,7 +6021,7 @@
 </p:sld>
 </file>
 
-<file path=ppt/slides/slide3.xml><?xml version="1.0" encoding="utf-8"?>
+<file path=ppt/slides/slide4.xml><?xml version="1.0" encoding="utf-8"?>
 <p:sld xmlns:a="http://schemas.openxmlformats.org/drawingml/2006/main" xmlns:r="http://schemas.openxmlformats.org/officeDocument/2006/relationships" xmlns:p="http://schemas.openxmlformats.org/presentationml/2006/main">
   <p:cSld>
     <p:spTree>
